--- a/190111_最適化.pptx
+++ b/190111_最適化.pptx
@@ -247,7 +247,7 @@
           <a:p>
             <a:fld id="{68DDA9F4-EF5C-4F40-B1BB-BB838D49A02B}" type="datetimeFigureOut">
               <a:rPr kumimoji="1" lang="ja-JP" altLang="en-US" smtClean="0"/>
-              <a:t>2019/1/11</a:t>
+              <a:t>2019/11/26</a:t>
             </a:fld>
             <a:endParaRPr kumimoji="1" lang="ja-JP" altLang="en-US"/>
           </a:p>
@@ -449,7 +449,7 @@
           <a:p>
             <a:fld id="{68DDA9F4-EF5C-4F40-B1BB-BB838D49A02B}" type="datetimeFigureOut">
               <a:rPr kumimoji="1" lang="ja-JP" altLang="en-US" smtClean="0"/>
-              <a:t>2019/1/11</a:t>
+              <a:t>2019/11/26</a:t>
             </a:fld>
             <a:endParaRPr kumimoji="1" lang="ja-JP" altLang="en-US"/>
           </a:p>
@@ -661,7 +661,7 @@
           <a:p>
             <a:fld id="{68DDA9F4-EF5C-4F40-B1BB-BB838D49A02B}" type="datetimeFigureOut">
               <a:rPr kumimoji="1" lang="ja-JP" altLang="en-US" smtClean="0"/>
-              <a:t>2019/1/11</a:t>
+              <a:t>2019/11/26</a:t>
             </a:fld>
             <a:endParaRPr kumimoji="1" lang="ja-JP" altLang="en-US"/>
           </a:p>
@@ -863,7 +863,7 @@
           <a:p>
             <a:fld id="{68DDA9F4-EF5C-4F40-B1BB-BB838D49A02B}" type="datetimeFigureOut">
               <a:rPr kumimoji="1" lang="ja-JP" altLang="en-US" smtClean="0"/>
-              <a:t>2019/1/11</a:t>
+              <a:t>2019/11/26</a:t>
             </a:fld>
             <a:endParaRPr kumimoji="1" lang="ja-JP" altLang="en-US"/>
           </a:p>
@@ -1109,7 +1109,7 @@
           <a:p>
             <a:fld id="{68DDA9F4-EF5C-4F40-B1BB-BB838D49A02B}" type="datetimeFigureOut">
               <a:rPr kumimoji="1" lang="ja-JP" altLang="en-US" smtClean="0"/>
-              <a:t>2019/1/11</a:t>
+              <a:t>2019/11/26</a:t>
             </a:fld>
             <a:endParaRPr kumimoji="1" lang="ja-JP" altLang="en-US"/>
           </a:p>
@@ -1405,7 +1405,7 @@
           <a:p>
             <a:fld id="{68DDA9F4-EF5C-4F40-B1BB-BB838D49A02B}" type="datetimeFigureOut">
               <a:rPr kumimoji="1" lang="ja-JP" altLang="en-US" smtClean="0"/>
-              <a:t>2019/1/11</a:t>
+              <a:t>2019/11/26</a:t>
             </a:fld>
             <a:endParaRPr kumimoji="1" lang="ja-JP" altLang="en-US"/>
           </a:p>
@@ -1836,7 +1836,7 @@
           <a:p>
             <a:fld id="{68DDA9F4-EF5C-4F40-B1BB-BB838D49A02B}" type="datetimeFigureOut">
               <a:rPr kumimoji="1" lang="ja-JP" altLang="en-US" smtClean="0"/>
-              <a:t>2019/1/11</a:t>
+              <a:t>2019/11/26</a:t>
             </a:fld>
             <a:endParaRPr kumimoji="1" lang="ja-JP" altLang="en-US"/>
           </a:p>
@@ -1954,7 +1954,7 @@
           <a:p>
             <a:fld id="{68DDA9F4-EF5C-4F40-B1BB-BB838D49A02B}" type="datetimeFigureOut">
               <a:rPr kumimoji="1" lang="ja-JP" altLang="en-US" smtClean="0"/>
-              <a:t>2019/1/11</a:t>
+              <a:t>2019/11/26</a:t>
             </a:fld>
             <a:endParaRPr kumimoji="1" lang="ja-JP" altLang="en-US"/>
           </a:p>
@@ -2049,7 +2049,7 @@
           <a:p>
             <a:fld id="{68DDA9F4-EF5C-4F40-B1BB-BB838D49A02B}" type="datetimeFigureOut">
               <a:rPr kumimoji="1" lang="ja-JP" altLang="en-US" smtClean="0"/>
-              <a:t>2019/1/11</a:t>
+              <a:t>2019/11/26</a:t>
             </a:fld>
             <a:endParaRPr kumimoji="1" lang="ja-JP" altLang="en-US"/>
           </a:p>
@@ -2358,7 +2358,7 @@
           <a:p>
             <a:fld id="{68DDA9F4-EF5C-4F40-B1BB-BB838D49A02B}" type="datetimeFigureOut">
               <a:rPr kumimoji="1" lang="ja-JP" altLang="en-US" smtClean="0"/>
-              <a:t>2019/1/11</a:t>
+              <a:t>2019/11/26</a:t>
             </a:fld>
             <a:endParaRPr kumimoji="1" lang="ja-JP" altLang="en-US"/>
           </a:p>
@@ -2615,7 +2615,7 @@
           <a:p>
             <a:fld id="{68DDA9F4-EF5C-4F40-B1BB-BB838D49A02B}" type="datetimeFigureOut">
               <a:rPr kumimoji="1" lang="ja-JP" altLang="en-US" smtClean="0"/>
-              <a:t>2019/1/11</a:t>
+              <a:t>2019/11/26</a:t>
             </a:fld>
             <a:endParaRPr kumimoji="1" lang="ja-JP" altLang="en-US"/>
           </a:p>
@@ -2860,7 +2860,7 @@
           <a:p>
             <a:fld id="{68DDA9F4-EF5C-4F40-B1BB-BB838D49A02B}" type="datetimeFigureOut">
               <a:rPr kumimoji="1" lang="ja-JP" altLang="en-US" smtClean="0"/>
-              <a:t>2019/1/11</a:t>
+              <a:t>2019/11/26</a:t>
             </a:fld>
             <a:endParaRPr kumimoji="1" lang="ja-JP" altLang="en-US"/>
           </a:p>
